--- a/enhanced_presentation.pptx
+++ b/enhanced_presentation.pptx
@@ -239,7 +239,7 @@
           <a:bodyPr/>
           <a:lstStyle/>
           <a:p>
-            <a:fld id="{7170300D-5B69-47BF-AFF5-764AB1C3B5EC}" type="datetimeFigureOut">
+            <a:fld id="{6EAAA11D-5703-44C1-BF92-ED1A7AAF68CC}" type="datetimeFigureOut">
               <a:rPr lang="en-US" smtClean="0"/>
               <a:t>3/22/2024</a:t>
             </a:fld>
@@ -281,7 +281,7 @@
           <a:bodyPr/>
           <a:lstStyle/>
           <a:p>
-            <a:fld id="{349B0296-69DA-49EA-B6F7-48F7DC3DA5B3}" type="slidenum">
+            <a:fld id="{9CAE6624-F376-48FD-92E3-5683B65020C7}" type="slidenum">
               <a:rPr lang="en-US" smtClean="0"/>
               <a:t>‹#›</a:t>
             </a:fld>
@@ -292,7 +292,7 @@
     </p:spTree>
     <p:extLst>
       <p:ext uri="{BB962C8B-B14F-4D97-AF65-F5344CB8AC3E}">
-        <p14:creationId xmlns:p14="http://schemas.microsoft.com/office/powerpoint/2010/main" val="1395855532"/>
+        <p14:creationId xmlns:p14="http://schemas.microsoft.com/office/powerpoint/2010/main" val="141641407"/>
       </p:ext>
     </p:extLst>
   </p:cSld>
@@ -407,7 +407,7 @@
           <a:bodyPr/>
           <a:lstStyle/>
           <a:p>
-            <a:fld id="{7170300D-5B69-47BF-AFF5-764AB1C3B5EC}" type="datetimeFigureOut">
+            <a:fld id="{6EAAA11D-5703-44C1-BF92-ED1A7AAF68CC}" type="datetimeFigureOut">
               <a:rPr lang="en-US" smtClean="0"/>
               <a:t>3/22/2024</a:t>
             </a:fld>
@@ -449,7 +449,7 @@
           <a:bodyPr/>
           <a:lstStyle/>
           <a:p>
-            <a:fld id="{349B0296-69DA-49EA-B6F7-48F7DC3DA5B3}" type="slidenum">
+            <a:fld id="{9CAE6624-F376-48FD-92E3-5683B65020C7}" type="slidenum">
               <a:rPr lang="en-US" smtClean="0"/>
               <a:t>‹#›</a:t>
             </a:fld>
@@ -460,7 +460,7 @@
     </p:spTree>
     <p:extLst>
       <p:ext uri="{BB962C8B-B14F-4D97-AF65-F5344CB8AC3E}">
-        <p14:creationId xmlns:p14="http://schemas.microsoft.com/office/powerpoint/2010/main" val="1512510971"/>
+        <p14:creationId xmlns:p14="http://schemas.microsoft.com/office/powerpoint/2010/main" val="1350892833"/>
       </p:ext>
     </p:extLst>
   </p:cSld>
@@ -585,7 +585,7 @@
           <a:bodyPr/>
           <a:lstStyle/>
           <a:p>
-            <a:fld id="{7170300D-5B69-47BF-AFF5-764AB1C3B5EC}" type="datetimeFigureOut">
+            <a:fld id="{6EAAA11D-5703-44C1-BF92-ED1A7AAF68CC}" type="datetimeFigureOut">
               <a:rPr lang="en-US" smtClean="0"/>
               <a:t>3/22/2024</a:t>
             </a:fld>
@@ -627,7 +627,7 @@
           <a:bodyPr/>
           <a:lstStyle/>
           <a:p>
-            <a:fld id="{349B0296-69DA-49EA-B6F7-48F7DC3DA5B3}" type="slidenum">
+            <a:fld id="{9CAE6624-F376-48FD-92E3-5683B65020C7}" type="slidenum">
               <a:rPr lang="en-US" smtClean="0"/>
               <a:t>‹#›</a:t>
             </a:fld>
@@ -638,7 +638,7 @@
     </p:spTree>
     <p:extLst>
       <p:ext uri="{BB962C8B-B14F-4D97-AF65-F5344CB8AC3E}">
-        <p14:creationId xmlns:p14="http://schemas.microsoft.com/office/powerpoint/2010/main" val="3443782320"/>
+        <p14:creationId xmlns:p14="http://schemas.microsoft.com/office/powerpoint/2010/main" val="1688937209"/>
       </p:ext>
     </p:extLst>
   </p:cSld>
@@ -753,7 +753,7 @@
           <a:bodyPr/>
           <a:lstStyle/>
           <a:p>
-            <a:fld id="{7170300D-5B69-47BF-AFF5-764AB1C3B5EC}" type="datetimeFigureOut">
+            <a:fld id="{6EAAA11D-5703-44C1-BF92-ED1A7AAF68CC}" type="datetimeFigureOut">
               <a:rPr lang="en-US" smtClean="0"/>
               <a:t>3/22/2024</a:t>
             </a:fld>
@@ -795,7 +795,7 @@
           <a:bodyPr/>
           <a:lstStyle/>
           <a:p>
-            <a:fld id="{349B0296-69DA-49EA-B6F7-48F7DC3DA5B3}" type="slidenum">
+            <a:fld id="{9CAE6624-F376-48FD-92E3-5683B65020C7}" type="slidenum">
               <a:rPr lang="en-US" smtClean="0"/>
               <a:t>‹#›</a:t>
             </a:fld>
@@ -806,7 +806,7 @@
     </p:spTree>
     <p:extLst>
       <p:ext uri="{BB962C8B-B14F-4D97-AF65-F5344CB8AC3E}">
-        <p14:creationId xmlns:p14="http://schemas.microsoft.com/office/powerpoint/2010/main" val="1379355715"/>
+        <p14:creationId xmlns:p14="http://schemas.microsoft.com/office/powerpoint/2010/main" val="1725003466"/>
       </p:ext>
     </p:extLst>
   </p:cSld>
@@ -998,7 +998,7 @@
           <a:bodyPr/>
           <a:lstStyle/>
           <a:p>
-            <a:fld id="{7170300D-5B69-47BF-AFF5-764AB1C3B5EC}" type="datetimeFigureOut">
+            <a:fld id="{6EAAA11D-5703-44C1-BF92-ED1A7AAF68CC}" type="datetimeFigureOut">
               <a:rPr lang="en-US" smtClean="0"/>
               <a:t>3/22/2024</a:t>
             </a:fld>
@@ -1040,7 +1040,7 @@
           <a:bodyPr/>
           <a:lstStyle/>
           <a:p>
-            <a:fld id="{349B0296-69DA-49EA-B6F7-48F7DC3DA5B3}" type="slidenum">
+            <a:fld id="{9CAE6624-F376-48FD-92E3-5683B65020C7}" type="slidenum">
               <a:rPr lang="en-US" smtClean="0"/>
               <a:t>‹#›</a:t>
             </a:fld>
@@ -1051,7 +1051,7 @@
     </p:spTree>
     <p:extLst>
       <p:ext uri="{BB962C8B-B14F-4D97-AF65-F5344CB8AC3E}">
-        <p14:creationId xmlns:p14="http://schemas.microsoft.com/office/powerpoint/2010/main" val="2385603075"/>
+        <p14:creationId xmlns:p14="http://schemas.microsoft.com/office/powerpoint/2010/main" val="1340610630"/>
       </p:ext>
     </p:extLst>
   </p:cSld>
@@ -1227,7 +1227,7 @@
           <a:bodyPr/>
           <a:lstStyle/>
           <a:p>
-            <a:fld id="{7170300D-5B69-47BF-AFF5-764AB1C3B5EC}" type="datetimeFigureOut">
+            <a:fld id="{6EAAA11D-5703-44C1-BF92-ED1A7AAF68CC}" type="datetimeFigureOut">
               <a:rPr lang="en-US" smtClean="0"/>
               <a:t>3/22/2024</a:t>
             </a:fld>
@@ -1269,7 +1269,7 @@
           <a:bodyPr/>
           <a:lstStyle/>
           <a:p>
-            <a:fld id="{349B0296-69DA-49EA-B6F7-48F7DC3DA5B3}" type="slidenum">
+            <a:fld id="{9CAE6624-F376-48FD-92E3-5683B65020C7}" type="slidenum">
               <a:rPr lang="en-US" smtClean="0"/>
               <a:t>‹#›</a:t>
             </a:fld>
@@ -1280,7 +1280,7 @@
     </p:spTree>
     <p:extLst>
       <p:ext uri="{BB962C8B-B14F-4D97-AF65-F5344CB8AC3E}">
-        <p14:creationId xmlns:p14="http://schemas.microsoft.com/office/powerpoint/2010/main" val="4138097861"/>
+        <p14:creationId xmlns:p14="http://schemas.microsoft.com/office/powerpoint/2010/main" val="3304091475"/>
       </p:ext>
     </p:extLst>
   </p:cSld>
@@ -1591,7 +1591,7 @@
           <a:bodyPr/>
           <a:lstStyle/>
           <a:p>
-            <a:fld id="{7170300D-5B69-47BF-AFF5-764AB1C3B5EC}" type="datetimeFigureOut">
+            <a:fld id="{6EAAA11D-5703-44C1-BF92-ED1A7AAF68CC}" type="datetimeFigureOut">
               <a:rPr lang="en-US" smtClean="0"/>
               <a:t>3/22/2024</a:t>
             </a:fld>
@@ -1633,7 +1633,7 @@
           <a:bodyPr/>
           <a:lstStyle/>
           <a:p>
-            <a:fld id="{349B0296-69DA-49EA-B6F7-48F7DC3DA5B3}" type="slidenum">
+            <a:fld id="{9CAE6624-F376-48FD-92E3-5683B65020C7}" type="slidenum">
               <a:rPr lang="en-US" smtClean="0"/>
               <a:t>‹#›</a:t>
             </a:fld>
@@ -1644,7 +1644,7 @@
     </p:spTree>
     <p:extLst>
       <p:ext uri="{BB962C8B-B14F-4D97-AF65-F5344CB8AC3E}">
-        <p14:creationId xmlns:p14="http://schemas.microsoft.com/office/powerpoint/2010/main" val="1452271278"/>
+        <p14:creationId xmlns:p14="http://schemas.microsoft.com/office/powerpoint/2010/main" val="855284391"/>
       </p:ext>
     </p:extLst>
   </p:cSld>
@@ -1708,7 +1708,7 @@
           <a:bodyPr/>
           <a:lstStyle/>
           <a:p>
-            <a:fld id="{7170300D-5B69-47BF-AFF5-764AB1C3B5EC}" type="datetimeFigureOut">
+            <a:fld id="{6EAAA11D-5703-44C1-BF92-ED1A7AAF68CC}" type="datetimeFigureOut">
               <a:rPr lang="en-US" smtClean="0"/>
               <a:t>3/22/2024</a:t>
             </a:fld>
@@ -1750,7 +1750,7 @@
           <a:bodyPr/>
           <a:lstStyle/>
           <a:p>
-            <a:fld id="{349B0296-69DA-49EA-B6F7-48F7DC3DA5B3}" type="slidenum">
+            <a:fld id="{9CAE6624-F376-48FD-92E3-5683B65020C7}" type="slidenum">
               <a:rPr lang="en-US" smtClean="0"/>
               <a:t>‹#›</a:t>
             </a:fld>
@@ -1761,7 +1761,7 @@
     </p:spTree>
     <p:extLst>
       <p:ext uri="{BB962C8B-B14F-4D97-AF65-F5344CB8AC3E}">
-        <p14:creationId xmlns:p14="http://schemas.microsoft.com/office/powerpoint/2010/main" val="4034276963"/>
+        <p14:creationId xmlns:p14="http://schemas.microsoft.com/office/powerpoint/2010/main" val="2689228642"/>
       </p:ext>
     </p:extLst>
   </p:cSld>
@@ -1803,7 +1803,7 @@
           <a:bodyPr/>
           <a:lstStyle/>
           <a:p>
-            <a:fld id="{7170300D-5B69-47BF-AFF5-764AB1C3B5EC}" type="datetimeFigureOut">
+            <a:fld id="{6EAAA11D-5703-44C1-BF92-ED1A7AAF68CC}" type="datetimeFigureOut">
               <a:rPr lang="en-US" smtClean="0"/>
               <a:t>3/22/2024</a:t>
             </a:fld>
@@ -1845,7 +1845,7 @@
           <a:bodyPr/>
           <a:lstStyle/>
           <a:p>
-            <a:fld id="{349B0296-69DA-49EA-B6F7-48F7DC3DA5B3}" type="slidenum">
+            <a:fld id="{9CAE6624-F376-48FD-92E3-5683B65020C7}" type="slidenum">
               <a:rPr lang="en-US" smtClean="0"/>
               <a:t>‹#›</a:t>
             </a:fld>
@@ -1856,7 +1856,7 @@
     </p:spTree>
     <p:extLst>
       <p:ext uri="{BB962C8B-B14F-4D97-AF65-F5344CB8AC3E}">
-        <p14:creationId xmlns:p14="http://schemas.microsoft.com/office/powerpoint/2010/main" val="2180312751"/>
+        <p14:creationId xmlns:p14="http://schemas.microsoft.com/office/powerpoint/2010/main" val="814042250"/>
       </p:ext>
     </p:extLst>
   </p:cSld>
@@ -2078,7 +2078,7 @@
           <a:bodyPr/>
           <a:lstStyle/>
           <a:p>
-            <a:fld id="{7170300D-5B69-47BF-AFF5-764AB1C3B5EC}" type="datetimeFigureOut">
+            <a:fld id="{6EAAA11D-5703-44C1-BF92-ED1A7AAF68CC}" type="datetimeFigureOut">
               <a:rPr lang="en-US" smtClean="0"/>
               <a:t>3/22/2024</a:t>
             </a:fld>
@@ -2120,7 +2120,7 @@
           <a:bodyPr/>
           <a:lstStyle/>
           <a:p>
-            <a:fld id="{349B0296-69DA-49EA-B6F7-48F7DC3DA5B3}" type="slidenum">
+            <a:fld id="{9CAE6624-F376-48FD-92E3-5683B65020C7}" type="slidenum">
               <a:rPr lang="en-US" smtClean="0"/>
               <a:t>‹#›</a:t>
             </a:fld>
@@ -2131,7 +2131,7 @@
     </p:spTree>
     <p:extLst>
       <p:ext uri="{BB962C8B-B14F-4D97-AF65-F5344CB8AC3E}">
-        <p14:creationId xmlns:p14="http://schemas.microsoft.com/office/powerpoint/2010/main" val="3359033962"/>
+        <p14:creationId xmlns:p14="http://schemas.microsoft.com/office/powerpoint/2010/main" val="488760925"/>
       </p:ext>
     </p:extLst>
   </p:cSld>
@@ -2330,7 +2330,7 @@
           <a:bodyPr/>
           <a:lstStyle/>
           <a:p>
-            <a:fld id="{7170300D-5B69-47BF-AFF5-764AB1C3B5EC}" type="datetimeFigureOut">
+            <a:fld id="{6EAAA11D-5703-44C1-BF92-ED1A7AAF68CC}" type="datetimeFigureOut">
               <a:rPr lang="en-US" smtClean="0"/>
               <a:t>3/22/2024</a:t>
             </a:fld>
@@ -2372,7 +2372,7 @@
           <a:bodyPr/>
           <a:lstStyle/>
           <a:p>
-            <a:fld id="{349B0296-69DA-49EA-B6F7-48F7DC3DA5B3}" type="slidenum">
+            <a:fld id="{9CAE6624-F376-48FD-92E3-5683B65020C7}" type="slidenum">
               <a:rPr lang="en-US" smtClean="0"/>
               <a:t>‹#›</a:t>
             </a:fld>
@@ -2383,7 +2383,7 @@
     </p:spTree>
     <p:extLst>
       <p:ext uri="{BB962C8B-B14F-4D97-AF65-F5344CB8AC3E}">
-        <p14:creationId xmlns:p14="http://schemas.microsoft.com/office/powerpoint/2010/main" val="1748168180"/>
+        <p14:creationId xmlns:p14="http://schemas.microsoft.com/office/powerpoint/2010/main" val="3583701442"/>
       </p:ext>
     </p:extLst>
   </p:cSld>
@@ -2541,7 +2541,7 @@
             </a:lvl1pPr>
           </a:lstStyle>
           <a:p>
-            <a:fld id="{7170300D-5B69-47BF-AFF5-764AB1C3B5EC}" type="datetimeFigureOut">
+            <a:fld id="{6EAAA11D-5703-44C1-BF92-ED1A7AAF68CC}" type="datetimeFigureOut">
               <a:rPr lang="en-US" smtClean="0"/>
               <a:t>3/22/2024</a:t>
             </a:fld>
@@ -2619,7 +2619,7 @@
             </a:lvl1pPr>
           </a:lstStyle>
           <a:p>
-            <a:fld id="{349B0296-69DA-49EA-B6F7-48F7DC3DA5B3}" type="slidenum">
+            <a:fld id="{9CAE6624-F376-48FD-92E3-5683B65020C7}" type="slidenum">
               <a:rPr lang="en-US" smtClean="0"/>
               <a:t>‹#›</a:t>
             </a:fld>
@@ -2630,7 +2630,7 @@
     </p:spTree>
     <p:extLst>
       <p:ext uri="{BB962C8B-B14F-4D97-AF65-F5344CB8AC3E}">
-        <p14:creationId xmlns:p14="http://schemas.microsoft.com/office/powerpoint/2010/main" val="2132854148"/>
+        <p14:creationId xmlns:p14="http://schemas.microsoft.com/office/powerpoint/2010/main" val="860144695"/>
       </p:ext>
     </p:extLst>
   </p:cSld>
@@ -2937,7 +2937,7 @@
     <p:bg>
       <p:bgPr>
         <a:solidFill>
-          <a:srgbClr val="000000"/>
+          <a:srgbClr val="FFFFFF"/>
         </a:solidFill>
         <a:effectLst/>
       </p:bgPr>
@@ -2977,28 +2977,9 @@
             <a:spAutoFit/>
           </a:bodyPr>
           <a:lstStyle/>
-          <a:p/>
-          <a:p>
-            <a:r>
-              <a:t>RFID tags are typically small and can be attached to or embedded into various items, such as products, assets, and even living beings. They can store and transmit unique identification numbers, as well as other relevant data such as product details, location, and expiration dates.</a:t>
-            </a:r>
-          </a:p>
-          <a:p/>
-          <a:p>
-            <a:r>
-              <a:t>An RFID system can provide real-time tracking and monitoring of goods, which can help improve inventory management, reduce theft, and prevent counterfeiting. It can also streamline logistics and supply chain operations, leading to cost savings and increased efficiency.</a:t>
-            </a:r>
-          </a:p>
-          <a:p/>
-          <a:p>
-            <a:r>
-              <a:t>In addition to its commercial applications, RFID technology has also been used for access control, contactless payment systems, and electronic toll collection. It has the potential to revolutionize various industries and improve the overall customer experience.</a:t>
-            </a:r>
-          </a:p>
-          <a:p/>
-          <a:p>
-            <a:r>
-              <a:t>However, there are some</a:t>
+          <a:p>
+            <a:r>
+              <a:t>NFC technology is commonly used for contactless payment systems, such as Apple Pay and Google Pay, as well as for transferring data between devices, such as pairing Bluetooth headphones with a smartphone. It has also been integrated into public transportation systems for easy and convenient ticketing. NFC is a convenient and secure way to transfer information and make transactions with just a tap or a wave of a compatible device.</a:t>
             </a:r>
           </a:p>
         </p:txBody>
@@ -3006,7 +2987,7 @@
     </p:spTree>
     <p:extLst>
       <p:ext uri="{BB962C8B-B14F-4D97-AF65-F5344CB8AC3E}">
-        <p14:creationId xmlns:p14="http://schemas.microsoft.com/office/powerpoint/2010/main" val="2147192936"/>
+        <p14:creationId xmlns:p14="http://schemas.microsoft.com/office/powerpoint/2010/main" val="3137498923"/>
       </p:ext>
     </p:extLst>
   </p:cSld>

--- a/enhanced_presentation.pptx
+++ b/enhanced_presentation.pptx
@@ -16825,7 +16825,7 @@
           <a:lstStyle/>
           <a:p>
             <a:r>
-              <a:t> use, data collection, security, and versatility. As more businesses and consumers adopt NFC technology, its potential for streamlining processes, enhancing security, and providing a seamless user experience will continue to grow. Businesses that embrace NFC technology will not only improve their customer experience but also gain valuable insights into consumer behavior, ultimately leading to more informed decision-making and improved customer satisfaction.</a:t>
+              <a:t>use, convenience, data collection, security, and versatility. As the technology continues to develop and become more widely adopted, it is likely that we will see even more innovative applications in the future. Whether it's for mobile payments, marketing interactions, or access control, NFC technology has the potential to greatly enhance the way we interact with digital devices and the world around us. So, next time you see the NFC logo, don't hesitate to tap and explore the possibilities that this technology has to offer.</a:t>
             </a:r>
           </a:p>
         </p:txBody>

--- a/enhanced_presentation.pptx
+++ b/enhanced_presentation.pptx
@@ -12,6 +12,8 @@
   </p:handoutMasterIdLst>
   <p:sldIdLst>
     <p:sldId id="315" r:id="rId5"/>
+    <p:sldId id="316" r:id="rId13"/>
+    <p:sldId id="317" r:id="rId14"/>
   </p:sldIdLst>
   <p:sldSz cx="12192000" cy="6858000"/>
   <p:notesSz cx="13716000" cy="24384000"/>
@@ -16824,9 +16826,7 @@
           </a:bodyPr>
           <a:lstStyle/>
           <a:p>
-            <a:r>
-              <a:t>use, convenience, data collection, security, and versatility. As the technology continues to develop and become more widely adopted, it is likely that we will see even more innovative applications in the future. Whether it's for mobile payments, marketing interactions, or access control, NFC technology has the potential to greatly enhance the way we interact with digital devices and the world around us. So, next time you see the NFC logo, don't hesitate to tap and explore the possibilities that this technology has to offer.</a:t>
-            </a:r>
+            <a:endParaRPr lang="en-US" dirty="0"/>
           </a:p>
         </p:txBody>
       </p:sp>
@@ -16836,6 +16836,212 @@
         <p14:creationId xmlns:p14="http://schemas.microsoft.com/office/powerpoint/2010/main" val="2468595790"/>
       </p:ext>
     </p:extLst>
+  </p:cSld>
+  <p:clrMapOvr>
+    <a:masterClrMapping/>
+  </p:clrMapOvr>
+</p:sld>
+</file>
+
+<file path=ppt/slides/slide2.xml><?xml version="1.0" encoding="utf-8"?>
+<p:sld xmlns:a="http://schemas.openxmlformats.org/drawingml/2006/main" xmlns:p="http://schemas.openxmlformats.org/presentationml/2006/main" xmlns:r="http://schemas.openxmlformats.org/officeDocument/2006/relationships">
+  <p:cSld>
+    <p:spTree>
+      <p:nvGrpSpPr>
+        <p:cNvPr id="1" name=""/>
+        <p:cNvGrpSpPr/>
+        <p:nvPr/>
+      </p:nvGrpSpPr>
+      <p:grpSpPr/>
+      <p:sp>
+        <p:nvSpPr>
+          <p:cNvPr id="16" name="Content Placeholder 4">
+            <a:extLst>
+              <a:ext uri="{FF2B5EF4-FFF2-40B4-BE49-F238E27FC236}">
+                <a16:creationId xmlns:a16="http://schemas.microsoft.com/office/drawing/2014/main" id="{AEF9954A-E263-8A7E-58B1-4D03F7D1BD9B}"/>
+              </a:ext>
+            </a:extLst>
+          </p:cNvPr>
+          <p:cNvSpPr>
+            <a:spLocks noGrp="1"/>
+          </p:cNvSpPr>
+          <p:nvPr>
+            <p:ph sz="half" idx="2"/>
+          </p:nvPr>
+        </p:nvSpPr>
+        <p:spPr>
+          <a:xfrm>
+            <a:off x="326571" y="310243"/>
+            <a:ext cx="8360229" cy="6221185"/>
+          </a:xfrm>
+        </p:spPr>
+        <p:txBody>
+          <a:bodyPr>
+            <a:normAutofit/>
+          </a:bodyPr>
+          <a:lstStyle/>
+          <a:p/>
+          <a:p>
+            <a:r>
+              <a:rPr sz="1800"/>
+              <a:t>Subnetting</a:t>
+            </a:r>
+          </a:p>
+          <a:p>
+            <a:r>
+              <a:rPr sz="1800"/>
+              <a:t>Private and Public Addresses</a:t>
+            </a:r>
+          </a:p>
+          <a:p>
+            <a:r>
+              <a:rPr sz="1800"/>
+              <a:t>IPv4 Address Classes</a:t>
+            </a:r>
+          </a:p>
+          <a:p/>
+          <a:p>
+            <a:r>
+              <a:rPr sz="1800"/>
+              <a:t>Address Space Notations: IPv4 addresses are typically represented in dotted-decimal notation, where each of the four decimal numbers separated by periods represents 8 bits of the 32-bit address. For example, 192.168.1.1 is a common IPv4 address.</a:t>
+            </a:r>
+          </a:p>
+          <a:p/>
+          <a:p>
+            <a:r>
+              <a:rPr sz="1800"/>
+              <a:t>Classful Addressing: IPv4 addresses are divided into classes, which determine the network portion and the host portion of the address. The classes are Class A, Class B, Class C, Class D, and Class E.</a:t>
+            </a:r>
+          </a:p>
+          <a:p/>
+          <a:p>
+            <a:r>
+              <a:rPr sz="1800"/>
+              <a:t>Classless Addressing: This refers to the practice of allocating variable-length subnet masks to a network, allowing for more efficient use of address space.</a:t>
+            </a:r>
+          </a:p>
+          <a:p/>
+          <a:p>
+            <a:r>
+              <a:rPr sz="1800"/>
+              <a:t>Network Address Translation (N</a:t>
+            </a:r>
+          </a:p>
+        </p:txBody>
+      </p:sp>
+    </p:spTree>
+  </p:cSld>
+  <p:clrMapOvr>
+    <a:masterClrMapping/>
+  </p:clrMapOvr>
+</p:sld>
+</file>
+
+<file path=ppt/slides/slide3.xml><?xml version="1.0" encoding="utf-8"?>
+<p:sld xmlns:a="http://schemas.openxmlformats.org/drawingml/2006/main" xmlns:p="http://schemas.openxmlformats.org/presentationml/2006/main" xmlns:r="http://schemas.openxmlformats.org/officeDocument/2006/relationships">
+  <p:cSld>
+    <p:spTree>
+      <p:nvGrpSpPr>
+        <p:cNvPr id="1" name=""/>
+        <p:cNvGrpSpPr/>
+        <p:nvPr/>
+      </p:nvGrpSpPr>
+      <p:grpSpPr/>
+      <p:sp>
+        <p:nvSpPr>
+          <p:cNvPr id="16" name="Content Placeholder 4">
+            <a:extLst>
+              <a:ext uri="{FF2B5EF4-FFF2-40B4-BE49-F238E27FC236}">
+                <a16:creationId xmlns:a16="http://schemas.microsoft.com/office/drawing/2014/main" id="{AEF9954A-E263-8A7E-58B1-4D03F7D1BD9B}"/>
+              </a:ext>
+            </a:extLst>
+          </p:cNvPr>
+          <p:cNvSpPr>
+            <a:spLocks noGrp="1"/>
+          </p:cNvSpPr>
+          <p:nvPr>
+            <p:ph sz="half" idx="2"/>
+          </p:nvPr>
+        </p:nvSpPr>
+        <p:spPr>
+          <a:xfrm>
+            <a:off x="326571" y="310243"/>
+            <a:ext cx="8360229" cy="6221185"/>
+          </a:xfrm>
+        </p:spPr>
+        <p:txBody>
+          <a:bodyPr>
+            <a:normAutofit/>
+          </a:bodyPr>
+          <a:lstStyle/>
+          <a:p>
+            <a:r>
+              <a:rPr sz="1800"/>
+              <a:t>In GridFS, files are divided into chunks and stored as separate documents in two collections: files and chunks. The files collection contains the file's metadata, such as filename, size, and other attributes. The chunks collection contains the actual data of the file broken down into chunks.</a:t>
+            </a:r>
+          </a:p>
+          <a:p/>
+          <a:p>
+            <a:r>
+              <a:rPr sz="1800"/>
+              <a:t>To upload a file using GridFS and mongofiles, you can use the following command:</a:t>
+            </a:r>
+          </a:p>
+          <a:p/>
+          <a:p>
+            <a:r>
+              <a:rPr sz="1800"/>
+              <a:t>```</a:t>
+            </a:r>
+          </a:p>
+          <a:p>
+            <a:r>
+              <a:rPr sz="1800"/>
+              <a:t>mongofiles put &lt;file&gt;</a:t>
+            </a:r>
+          </a:p>
+          <a:p>
+            <a:r>
+              <a:rPr sz="1800"/>
+              <a:t>```</a:t>
+            </a:r>
+          </a:p>
+          <a:p/>
+          <a:p>
+            <a:r>
+              <a:rPr sz="1800"/>
+              <a:t>To retrieve a file from GridFS, you can use the following command:</a:t>
+            </a:r>
+          </a:p>
+          <a:p/>
+          <a:p>
+            <a:r>
+              <a:rPr sz="1800"/>
+              <a:t>```</a:t>
+            </a:r>
+          </a:p>
+          <a:p>
+            <a:r>
+              <a:rPr sz="1800"/>
+              <a:t>mongofiles get &lt;filename&gt;</a:t>
+            </a:r>
+          </a:p>
+          <a:p>
+            <a:r>
+              <a:rPr sz="1800"/>
+              <a:t>```</a:t>
+            </a:r>
+          </a:p>
+          <a:p/>
+          <a:p>
+            <a:r>
+              <a:rPr sz="1800"/>
+              <a:t>GridFS provides a convenient way to store and retrieve large files in MongoDB, and it is well-suited for use cases where the size of the files exceeds the 16MB limit of regular</a:t>
+            </a:r>
+          </a:p>
+        </p:txBody>
+      </p:sp>
+    </p:spTree>
   </p:cSld>
   <p:clrMapOvr>
     <a:masterClrMapping/>

--- a/enhanced_presentation.pptx
+++ b/enhanced_presentation.pptx
@@ -13,7 +13,6 @@
   <p:sldIdLst>
     <p:sldId id="315" r:id="rId5"/>
     <p:sldId id="316" r:id="rId13"/>
-    <p:sldId id="317" r:id="rId14"/>
   </p:sldIdLst>
   <p:sldSz cx="12192000" cy="6858000"/>
   <p:notesSz cx="13716000" cy="24384000"/>
@@ -16817,7 +16816,7 @@
         <p:spPr>
           <a:xfrm>
             <a:off x="326571" y="310243"/>
-            <a:ext cx="8360229" cy="6221185"/>
+            <a:ext cx="7047623" cy="6221185"/>
           </a:xfrm>
         </p:spPr>
         <p:txBody>
@@ -16872,101 +16871,7 @@
         <p:spPr>
           <a:xfrm>
             <a:off x="326571" y="310243"/>
-            <a:ext cx="8360229" cy="6221185"/>
-          </a:xfrm>
-        </p:spPr>
-        <p:txBody>
-          <a:bodyPr>
-            <a:normAutofit/>
-          </a:bodyPr>
-          <a:lstStyle/>
-          <a:p/>
-          <a:p>
-            <a:r>
-              <a:rPr sz="1800"/>
-              <a:t>Subnetting</a:t>
-            </a:r>
-          </a:p>
-          <a:p>
-            <a:r>
-              <a:rPr sz="1800"/>
-              <a:t>Private and Public Addresses</a:t>
-            </a:r>
-          </a:p>
-          <a:p>
-            <a:r>
-              <a:rPr sz="1800"/>
-              <a:t>IPv4 Address Classes</a:t>
-            </a:r>
-          </a:p>
-          <a:p/>
-          <a:p>
-            <a:r>
-              <a:rPr sz="1800"/>
-              <a:t>Address Space Notations: IPv4 addresses are typically represented in dotted-decimal notation, where each of the four decimal numbers separated by periods represents 8 bits of the 32-bit address. For example, 192.168.1.1 is a common IPv4 address.</a:t>
-            </a:r>
-          </a:p>
-          <a:p/>
-          <a:p>
-            <a:r>
-              <a:rPr sz="1800"/>
-              <a:t>Classful Addressing: IPv4 addresses are divided into classes, which determine the network portion and the host portion of the address. The classes are Class A, Class B, Class C, Class D, and Class E.</a:t>
-            </a:r>
-          </a:p>
-          <a:p/>
-          <a:p>
-            <a:r>
-              <a:rPr sz="1800"/>
-              <a:t>Classless Addressing: This refers to the practice of allocating variable-length subnet masks to a network, allowing for more efficient use of address space.</a:t>
-            </a:r>
-          </a:p>
-          <a:p/>
-          <a:p>
-            <a:r>
-              <a:rPr sz="1800"/>
-              <a:t>Network Address Translation (N</a:t>
-            </a:r>
-          </a:p>
-        </p:txBody>
-      </p:sp>
-    </p:spTree>
-  </p:cSld>
-  <p:clrMapOvr>
-    <a:masterClrMapping/>
-  </p:clrMapOvr>
-</p:sld>
-</file>
-
-<file path=ppt/slides/slide3.xml><?xml version="1.0" encoding="utf-8"?>
-<p:sld xmlns:a="http://schemas.openxmlformats.org/drawingml/2006/main" xmlns:p="http://schemas.openxmlformats.org/presentationml/2006/main" xmlns:r="http://schemas.openxmlformats.org/officeDocument/2006/relationships">
-  <p:cSld>
-    <p:spTree>
-      <p:nvGrpSpPr>
-        <p:cNvPr id="1" name=""/>
-        <p:cNvGrpSpPr/>
-        <p:nvPr/>
-      </p:nvGrpSpPr>
-      <p:grpSpPr/>
-      <p:sp>
-        <p:nvSpPr>
-          <p:cNvPr id="16" name="Content Placeholder 4">
-            <a:extLst>
-              <a:ext uri="{FF2B5EF4-FFF2-40B4-BE49-F238E27FC236}">
-                <a16:creationId xmlns:a16="http://schemas.microsoft.com/office/drawing/2014/main" id="{AEF9954A-E263-8A7E-58B1-4D03F7D1BD9B}"/>
-              </a:ext>
-            </a:extLst>
-          </p:cNvPr>
-          <p:cNvSpPr>
-            <a:spLocks noGrp="1"/>
-          </p:cNvSpPr>
-          <p:nvPr>
-            <p:ph sz="half" idx="2"/>
-          </p:nvPr>
-        </p:nvSpPr>
-        <p:spPr>
-          <a:xfrm>
-            <a:off x="326571" y="310243"/>
-            <a:ext cx="8360229" cy="6221185"/>
+            <a:ext cx="7047623" cy="6221185"/>
           </a:xfrm>
         </p:spPr>
         <p:txBody>
@@ -16977,70 +16882,49 @@
           <a:p>
             <a:r>
               <a:rPr sz="1800"/>
-              <a:t>In GridFS, files are divided into chunks and stored as separate documents in two collections: files and chunks. The files collection contains the file's metadata, such as filename, size, and other attributes. The chunks collection contains the actual data of the file broken down into chunks.</a:t>
+              <a:t>PWM is widely used in various applications such as controlling the speed of motors, regulating the intensity of lights, and in power management circuits. It is also commonly used in digital-to-analog converters and in audio amplifiers to generate analog signals from digital sources.</a:t>
             </a:r>
           </a:p>
           <a:p/>
           <a:p>
             <a:r>
               <a:rPr sz="1800"/>
-              <a:t>To upload a file using GridFS and mongofiles, you can use the following command:</a:t>
+              <a:t>The duty cycle of a PWM signal refers to the percentage of time the signal is in the high state (ON) compared to the total period of the signal. The duty cycle determines the average power delivered to the load. A higher duty cycle corresponds to a higher average power, while a lower duty cycle results in a lower average power.</a:t>
             </a:r>
           </a:p>
           <a:p/>
           <a:p>
             <a:r>
               <a:rPr sz="1800"/>
-              <a:t>```</a:t>
-            </a:r>
-          </a:p>
-          <a:p>
-            <a:r>
-              <a:rPr sz="1800"/>
-              <a:t>mongofiles put &lt;file&gt;</a:t>
-            </a:r>
-          </a:p>
-          <a:p>
-            <a:r>
-              <a:rPr sz="1800"/>
-              <a:t>```</a:t>
-            </a:r>
-          </a:p>
-          <a:p/>
-          <a:p>
-            <a:r>
-              <a:rPr sz="1800"/>
-              <a:t>To retrieve a file from GridFS, you can use the following command:</a:t>
-            </a:r>
-          </a:p>
-          <a:p/>
-          <a:p>
-            <a:r>
-              <a:rPr sz="1800"/>
-              <a:t>```</a:t>
-            </a:r>
-          </a:p>
-          <a:p>
-            <a:r>
-              <a:rPr sz="1800"/>
-              <a:t>mongofiles get &lt;filename&gt;</a:t>
-            </a:r>
-          </a:p>
-          <a:p>
-            <a:r>
-              <a:rPr sz="1800"/>
-              <a:t>```</a:t>
-            </a:r>
-          </a:p>
-          <a:p/>
-          <a:p>
-            <a:r>
-              <a:rPr sz="1800"/>
-              <a:t>GridFS provides a convenient way to store and retrieve large files in MongoDB, and it is well-suited for use cases where the size of the files exceeds the 16MB limit of regular</a:t>
+              <a:t>The frequency of the PWM signal refers to the rate at which the signal repeats itself. A higher frequency allows for smoother control and can reduce the effects of electromagnetic interference</a:t>
             </a:r>
           </a:p>
         </p:txBody>
       </p:sp>
+      <p:pic>
+        <p:nvPicPr>
+          <p:cNvPr id="17" name="Picture 16" descr="temp_image.jpg"/>
+          <p:cNvPicPr>
+            <a:picLocks noChangeAspect="1"/>
+          </p:cNvPicPr>
+          <p:nvPr/>
+        </p:nvPicPr>
+        <p:blipFill>
+          <a:blip r:embed="rId2"/>
+          <a:stretch>
+            <a:fillRect/>
+          </a:stretch>
+        </p:blipFill>
+        <p:spPr>
+          <a:xfrm>
+            <a:off x="8412480" y="1371600"/>
+            <a:ext cx="3474720" cy="3474720"/>
+          </a:xfrm>
+          <a:prstGeom prst="rect">
+            <a:avLst/>
+          </a:prstGeom>
+        </p:spPr>
+      </p:pic>
     </p:spTree>
   </p:cSld>
   <p:clrMapOvr>
@@ -17841,35 +17725,6 @@
 </file>
 
 <file path=customXml/item1.xml><?xml version="1.0" encoding="utf-8"?>
-<p:properties xmlns:p="http://schemas.microsoft.com/office/2006/metadata/properties" xmlns:xsi="http://www.w3.org/2001/XMLSchema-instance" xmlns:pc="http://schemas.microsoft.com/office/infopath/2007/PartnerControls">
-  <documentManagement>
-    <_ip_UnifiedCompliancePolicyUIAction xmlns="http://schemas.microsoft.com/sharepoint/v3" xsi:nil="true"/>
-    <Image xmlns="71af3243-3dd4-4a8d-8c0d-dd76da1f02a5">
-      <Url xsi:nil="true"/>
-      <Description xsi:nil="true"/>
-    </Image>
-    <Status xmlns="71af3243-3dd4-4a8d-8c0d-dd76da1f02a5">Not started</Status>
-    <Background xmlns="71af3243-3dd4-4a8d-8c0d-dd76da1f02a5">false</Background>
-    <_ip_UnifiedCompliancePolicyProperties xmlns="http://schemas.microsoft.com/sharepoint/v3" xsi:nil="true"/>
-    <ImageTagsTaxHTField xmlns="71af3243-3dd4-4a8d-8c0d-dd76da1f02a5">
-      <Terms xmlns="http://schemas.microsoft.com/office/infopath/2007/PartnerControls"/>
-    </ImageTagsTaxHTField>
-    <TaxCatchAll xmlns="230e9df3-be65-4c73-a93b-d1236ebd677e" xsi:nil="true"/>
-    <MediaServiceKeyPoints xmlns="71af3243-3dd4-4a8d-8c0d-dd76da1f02a5" xsi:nil="true"/>
-  </documentManagement>
-</p:properties>
-</file>
-
-<file path=customXml/item2.xml><?xml version="1.0" encoding="utf-8"?>
-<?mso-contentType ?>
-<FormTemplates xmlns="http://schemas.microsoft.com/sharepoint/v3/contenttype/forms">
-  <Display>DocumentLibraryForm</Display>
-  <Edit>DocumentLibraryForm</Edit>
-  <New>DocumentLibraryForm</New>
-</FormTemplates>
-</file>
-
-<file path=customXml/item3.xml><?xml version="1.0" encoding="utf-8"?>
 <ct:contentTypeSchema xmlns:ct="http://schemas.microsoft.com/office/2006/metadata/contentType" xmlns:ma="http://schemas.microsoft.com/office/2006/metadata/properties/metaAttributes" ct:_="" ma:_="" ma:contentTypeName="Document" ma:contentTypeID="0x01010079F111ED35F8CC479449609E8A0923A6" ma:contentTypeVersion="28" ma:contentTypeDescription="Create a new document." ma:contentTypeScope="" ma:versionID="60f5a4f2d2b0abadcf532d48ebf9cb71">
   <xsd:schema xmlns:xsd="http://www.w3.org/2001/XMLSchema" xmlns:xs="http://www.w3.org/2001/XMLSchema" xmlns:p="http://schemas.microsoft.com/office/2006/metadata/properties" xmlns:ns1="http://schemas.microsoft.com/sharepoint/v3" xmlns:ns2="71af3243-3dd4-4a8d-8c0d-dd76da1f02a5" xmlns:ns3="16c05727-aa75-4e4a-9b5f-8a80a1165891" xmlns:ns4="230e9df3-be65-4c73-a93b-d1236ebd677e" targetNamespace="http://schemas.microsoft.com/office/2006/metadata/properties" ma:root="true" ma:fieldsID="7dd78129e6a1811f84807ad11c651531" ns1:_="" ns2:_="" ns3:_="" ns4:_="">
     <xsd:import namespace="http://schemas.microsoft.com/sharepoint/v3"/>
@@ -18181,27 +18036,36 @@
 </ct:contentTypeSchema>
 </file>
 
-<file path=customXml/itemProps1.xml><?xml version="1.0" encoding="utf-8"?>
-<ds:datastoreItem xmlns:ds="http://schemas.openxmlformats.org/officeDocument/2006/customXml" ds:itemID="{BA719FA4-954C-4FA8-82CB-206659C3B826}">
-  <ds:schemaRefs>
-    <ds:schemaRef ds:uri="http://schemas.microsoft.com/office/2006/metadata/properties"/>
-    <ds:schemaRef ds:uri="http://schemas.microsoft.com/office/infopath/2007/PartnerControls"/>
-    <ds:schemaRef ds:uri="http://schemas.microsoft.com/sharepoint/v3"/>
-    <ds:schemaRef ds:uri="71af3243-3dd4-4a8d-8c0d-dd76da1f02a5"/>
-    <ds:schemaRef ds:uri="230e9df3-be65-4c73-a93b-d1236ebd677e"/>
-  </ds:schemaRefs>
-</ds:datastoreItem>
+<file path=customXml/item2.xml><?xml version="1.0" encoding="utf-8"?>
+<?mso-contentType ?>
+<FormTemplates xmlns="http://schemas.microsoft.com/sharepoint/v3/contenttype/forms">
+  <Display>DocumentLibraryForm</Display>
+  <Edit>DocumentLibraryForm</Edit>
+  <New>DocumentLibraryForm</New>
+</FormTemplates>
 </file>
 
-<file path=customXml/itemProps2.xml><?xml version="1.0" encoding="utf-8"?>
-<ds:datastoreItem xmlns:ds="http://schemas.openxmlformats.org/officeDocument/2006/customXml" ds:itemID="{16DBB56F-4362-4386-A1A1-3DF898896616}">
-  <ds:schemaRefs>
-    <ds:schemaRef ds:uri="http://schemas.microsoft.com/sharepoint/v3/contenttype/forms"/>
-  </ds:schemaRefs>
-</ds:datastoreItem>
+<file path=customXml/item3.xml><?xml version="1.0" encoding="utf-8"?>
+<p:properties xmlns:p="http://schemas.microsoft.com/office/2006/metadata/properties" xmlns:xsi="http://www.w3.org/2001/XMLSchema-instance" xmlns:pc="http://schemas.microsoft.com/office/infopath/2007/PartnerControls">
+  <documentManagement>
+    <_ip_UnifiedCompliancePolicyUIAction xmlns="http://schemas.microsoft.com/sharepoint/v3" xsi:nil="true"/>
+    <Image xmlns="71af3243-3dd4-4a8d-8c0d-dd76da1f02a5">
+      <Url xsi:nil="true"/>
+      <Description xsi:nil="true"/>
+    </Image>
+    <Status xmlns="71af3243-3dd4-4a8d-8c0d-dd76da1f02a5">Not started</Status>
+    <Background xmlns="71af3243-3dd4-4a8d-8c0d-dd76da1f02a5">false</Background>
+    <_ip_UnifiedCompliancePolicyProperties xmlns="http://schemas.microsoft.com/sharepoint/v3" xsi:nil="true"/>
+    <ImageTagsTaxHTField xmlns="71af3243-3dd4-4a8d-8c0d-dd76da1f02a5">
+      <Terms xmlns="http://schemas.microsoft.com/office/infopath/2007/PartnerControls"/>
+    </ImageTagsTaxHTField>
+    <TaxCatchAll xmlns="230e9df3-be65-4c73-a93b-d1236ebd677e" xsi:nil="true"/>
+    <MediaServiceKeyPoints xmlns="71af3243-3dd4-4a8d-8c0d-dd76da1f02a5" xsi:nil="true"/>
+  </documentManagement>
+</p:properties>
 </file>
 
-<file path=customXml/itemProps3.xml><?xml version="1.0" encoding="utf-8"?>
+<file path=customXml/itemProps1.xml><?xml version="1.0" encoding="utf-8"?>
 <ds:datastoreItem xmlns:ds="http://schemas.openxmlformats.org/officeDocument/2006/customXml" ds:itemID="{04948363-B267-4BAC-8655-100FBEC280C1}">
   <ds:schemaRefs>
     <ds:schemaRef ds:uri="http://schemas.microsoft.com/office/2006/metadata/contentType"/>
@@ -18222,6 +18086,26 @@
 </ds:datastoreItem>
 </file>
 
+<file path=customXml/itemProps2.xml><?xml version="1.0" encoding="utf-8"?>
+<ds:datastoreItem xmlns:ds="http://schemas.openxmlformats.org/officeDocument/2006/customXml" ds:itemID="{16DBB56F-4362-4386-A1A1-3DF898896616}">
+  <ds:schemaRefs>
+    <ds:schemaRef ds:uri="http://schemas.microsoft.com/sharepoint/v3/contenttype/forms"/>
+  </ds:schemaRefs>
+</ds:datastoreItem>
+</file>
+
+<file path=customXml/itemProps3.xml><?xml version="1.0" encoding="utf-8"?>
+<ds:datastoreItem xmlns:ds="http://schemas.openxmlformats.org/officeDocument/2006/customXml" ds:itemID="{BA719FA4-954C-4FA8-82CB-206659C3B826}">
+  <ds:schemaRefs>
+    <ds:schemaRef ds:uri="http://schemas.microsoft.com/office/2006/metadata/properties"/>
+    <ds:schemaRef ds:uri="http://schemas.microsoft.com/office/infopath/2007/PartnerControls"/>
+    <ds:schemaRef ds:uri="http://schemas.microsoft.com/sharepoint/v3"/>
+    <ds:schemaRef ds:uri="71af3243-3dd4-4a8d-8c0d-dd76da1f02a5"/>
+    <ds:schemaRef ds:uri="230e9df3-be65-4c73-a93b-d1236ebd677e"/>
+  </ds:schemaRefs>
+</ds:datastoreItem>
+</file>
+
 <file path=docMetadata/LabelInfo.xml><?xml version="1.0" encoding="utf-8"?>
 <clbl:labelList xmlns:clbl="http://schemas.microsoft.com/office/2020/mipLabelMetadata"/>
 </file>
--- a/enhanced_presentation.pptx
+++ b/enhanced_presentation.pptx
@@ -12,6 +12,7 @@
   </p:handoutMasterIdLst>
   <p:sldIdLst>
     <p:sldId id="316" r:id="rId13"/>
+    <p:sldId id="317" r:id="rId14"/>
   </p:sldIdLst>
   <p:sldSz cx="12192000" cy="6858000"/>
   <p:notesSz cx="13716000" cy="24384000"/>
@@ -16881,7 +16882,164 @@
           <a:p>
             <a:r>
               <a:rPr sz="1800"/>
-              <a:t> or wire.setPins(SDA, SCL) in ESP8266 code. Just be aware that not all GPIO pins may be suitable for I2C communications, so it’s worth checking the datasheet for the ESP8266 to find the best pins to use.</a:t>
+              <a:t>BookID   |   Title     |   Author         |   AuPhone           |   Publisher  </a:t>
+            </a:r>
+          </a:p>
+          <a:p>
+            <a:r>
+              <a:rPr sz="1800"/>
+              <a:t>-----------------------------------------------------------------------------</a:t>
+            </a:r>
+          </a:p>
+          <a:p>
+            <a:r>
+              <a:rPr sz="1800"/>
+              <a:t>1            |   Book1    |   John Doe   |    123-456-7890  |   ABC Publishing  </a:t>
+            </a:r>
+          </a:p>
+          <a:p>
+            <a:r>
+              <a:rPr sz="1800"/>
+              <a:t>2            |   Book2    |   Jane Smith   |    987-654-3210  |   XYZ Publishing</a:t>
+            </a:r>
+          </a:p>
+        </p:txBody>
+      </p:sp>
+      <p:pic>
+        <p:nvPicPr>
+          <p:cNvPr id="17" name="Picture 16" descr="temp_image.jpg"/>
+          <p:cNvPicPr>
+            <a:picLocks noChangeAspect="1"/>
+          </p:cNvPicPr>
+          <p:nvPr/>
+        </p:nvPicPr>
+        <p:blipFill>
+          <a:blip r:embed="rId2"/>
+          <a:stretch>
+            <a:fillRect/>
+          </a:stretch>
+        </p:blipFill>
+        <p:spPr>
+          <a:xfrm>
+            <a:off x="8412480" y="1371600"/>
+            <a:ext cx="3474720" cy="3474720"/>
+          </a:xfrm>
+          <a:prstGeom prst="rect">
+            <a:avLst/>
+          </a:prstGeom>
+        </p:spPr>
+      </p:pic>
+    </p:spTree>
+  </p:cSld>
+  <p:clrMapOvr>
+    <a:masterClrMapping/>
+  </p:clrMapOvr>
+</p:sld>
+</file>
+
+<file path=ppt/slides/slide3.xml><?xml version="1.0" encoding="utf-8"?>
+<p:sld xmlns:a="http://schemas.openxmlformats.org/drawingml/2006/main" xmlns:p="http://schemas.openxmlformats.org/presentationml/2006/main" xmlns:r="http://schemas.openxmlformats.org/officeDocument/2006/relationships">
+  <p:cSld>
+    <p:spTree>
+      <p:nvGrpSpPr>
+        <p:cNvPr id="1" name=""/>
+        <p:cNvGrpSpPr/>
+        <p:nvPr/>
+      </p:nvGrpSpPr>
+      <p:grpSpPr/>
+      <p:sp>
+        <p:nvSpPr>
+          <p:cNvPr id="16" name="Content Placeholder 4">
+            <a:extLst>
+              <a:ext uri="{FF2B5EF4-FFF2-40B4-BE49-F238E27FC236}">
+                <a16:creationId xmlns:a16="http://schemas.microsoft.com/office/drawing/2014/main" id="{AEF9954A-E263-8A7E-58B1-4D03F7D1BD9B}"/>
+              </a:ext>
+            </a:extLst>
+          </p:cNvPr>
+          <p:cNvSpPr>
+            <a:spLocks noGrp="1"/>
+          </p:cNvSpPr>
+          <p:nvPr>
+            <p:ph sz="half" idx="2"/>
+          </p:nvPr>
+        </p:nvSpPr>
+        <p:spPr>
+          <a:xfrm>
+            <a:off x="326571" y="310243"/>
+            <a:ext cx="7047623" cy="6221185"/>
+          </a:xfrm>
+        </p:spPr>
+        <p:txBody>
+          <a:bodyPr>
+            <a:normAutofit/>
+          </a:bodyPr>
+          <a:lstStyle/>
+          <a:p>
+            <a:r>
+              <a:rPr sz="1800"/>
+              <a:t>Original table:</a:t>
+            </a:r>
+          </a:p>
+          <a:p>
+            <a:r>
+              <a:rPr sz="1800"/>
+              <a:t>Order ID | Customer Name | Item 1 | Item 2 | Item 3 </a:t>
+            </a:r>
+          </a:p>
+          <a:p>
+            <a:r>
+              <a:rPr sz="1800"/>
+              <a:t>---------------------------------------------------------</a:t>
+            </a:r>
+          </a:p>
+          <a:p>
+            <a:r>
+              <a:rPr sz="1800"/>
+              <a:t>101       | John Smith       | Shirt   | Pants   | Shoes  </a:t>
+            </a:r>
+          </a:p>
+          <a:p/>
+          <a:p>
+            <a:r>
+              <a:rPr sz="1800"/>
+              <a:t>New table for repeating group:</a:t>
+            </a:r>
+          </a:p>
+          <a:p>
+            <a:r>
+              <a:rPr sz="1800"/>
+              <a:t>Order ID | Item </a:t>
+            </a:r>
+          </a:p>
+          <a:p>
+            <a:r>
+              <a:rPr sz="1800"/>
+              <a:t>------------------</a:t>
+            </a:r>
+          </a:p>
+          <a:p>
+            <a:r>
+              <a:rPr sz="1800"/>
+              <a:t>101        | Shirt </a:t>
+            </a:r>
+          </a:p>
+          <a:p>
+            <a:r>
+              <a:rPr sz="1800"/>
+              <a:t>101        | Pants </a:t>
+            </a:r>
+          </a:p>
+          <a:p>
+            <a:r>
+              <a:rPr sz="1800"/>
+              <a:t>101        | Shoes </a:t>
+            </a:r>
+          </a:p>
+          <a:p/>
+          <a:p>
+            <a:r>
+              <a:rPr sz="1800"/>
+              <a:t>Primary key for new table: Order ID, Item</a:t>
             </a:r>
           </a:p>
         </p:txBody>
